--- a/Mortal Factory - Run or Die.pptx
+++ b/Mortal Factory - Run or Die.pptx
@@ -11,7 +11,11 @@
     <p:sldId id="261" r:id="rId5"/>
     <p:sldId id="263" r:id="rId6"/>
     <p:sldId id="270" r:id="rId7"/>
-    <p:sldId id="271" r:id="rId8"/>
+    <p:sldId id="274" r:id="rId8"/>
+    <p:sldId id="271" r:id="rId9"/>
+    <p:sldId id="272" r:id="rId10"/>
+    <p:sldId id="273" r:id="rId11"/>
+    <p:sldId id="269" r:id="rId12"/>
   </p:sldIdLst>
   <p:sldSz cx="12192000" cy="6858000"/>
   <p:notesSz cx="6858000" cy="9144000"/>
@@ -364,7 +368,7 @@
           <a:p>
             <a:fld id="{ED291B17-9318-49DB-B28B-6E5994AE9581}" type="datetime1">
               <a:rPr lang="en-US" smtClean="0"/>
-              <a:t>9/25/2021</a:t>
+              <a:t>10/1/2021</a:t>
             </a:fld>
             <a:endParaRPr lang="en-US" dirty="0"/>
           </a:p>
@@ -567,7 +571,7 @@
           <a:p>
             <a:fld id="{2CED4963-E985-44C4-B8C4-FDD613B7C2F8}" type="datetime1">
               <a:rPr lang="en-US" smtClean="0"/>
-              <a:t>9/25/2021</a:t>
+              <a:t>10/1/2021</a:t>
             </a:fld>
             <a:endParaRPr lang="en-US" dirty="0"/>
           </a:p>
@@ -929,7 +933,7 @@
           <a:p>
             <a:fld id="{ED291B17-9318-49DB-B28B-6E5994AE9581}" type="datetime1">
               <a:rPr lang="en-US" smtClean="0"/>
-              <a:t>9/25/2021</a:t>
+              <a:t>10/1/2021</a:t>
             </a:fld>
             <a:endParaRPr lang="en-US" dirty="0"/>
           </a:p>
@@ -1127,7 +1131,7 @@
           <a:p>
             <a:fld id="{78DD82B9-B8EE-4375-B6FF-88FA6ABB15D9}" type="datetime1">
               <a:rPr lang="en-US" smtClean="0"/>
-              <a:t>9/25/2021</a:t>
+              <a:t>10/1/2021</a:t>
             </a:fld>
             <a:endParaRPr lang="en-US" dirty="0"/>
           </a:p>
@@ -1439,7 +1443,7 @@
           <a:p>
             <a:fld id="{B2497495-0637-405E-AE64-5CC7506D51F5}" type="datetime1">
               <a:rPr lang="en-US" smtClean="0"/>
-              <a:t>9/25/2021</a:t>
+              <a:t>10/1/2021</a:t>
             </a:fld>
             <a:endParaRPr lang="en-US" dirty="0"/>
           </a:p>
@@ -1692,7 +1696,7 @@
           <a:p>
             <a:fld id="{7BFFD690-9426-415D-8B65-26881E07B2D4}" type="datetime1">
               <a:rPr lang="en-US" smtClean="0"/>
-              <a:t>9/25/2021</a:t>
+              <a:t>10/1/2021</a:t>
             </a:fld>
             <a:endParaRPr lang="en-US" dirty="0"/>
           </a:p>
@@ -2114,7 +2118,7 @@
           <a:p>
             <a:fld id="{04C4989A-474C-40DE-95B9-011C28B71673}" type="datetime1">
               <a:rPr lang="en-US" smtClean="0"/>
-              <a:t>9/25/2021</a:t>
+              <a:t>10/1/2021</a:t>
             </a:fld>
             <a:endParaRPr lang="en-US" dirty="0"/>
           </a:p>
@@ -2237,7 +2241,7 @@
           <a:p>
             <a:fld id="{5DB4ED54-5B5E-4A04-93D3-5772E3CE3818}" type="datetime1">
               <a:rPr lang="en-US" smtClean="0"/>
-              <a:t>9/25/2021</a:t>
+              <a:t>10/1/2021</a:t>
             </a:fld>
             <a:endParaRPr lang="en-US" dirty="0"/>
           </a:p>
@@ -2332,7 +2336,7 @@
           <a:p>
             <a:fld id="{4EDE50D6-574B-40AF-946F-D52A04ADE379}" type="datetime1">
               <a:rPr lang="en-US" smtClean="0"/>
-              <a:t>9/25/2021</a:t>
+              <a:t>10/1/2021</a:t>
             </a:fld>
             <a:endParaRPr lang="en-US" dirty="0"/>
           </a:p>
@@ -2709,7 +2713,7 @@
           <a:p>
             <a:fld id="{D82884F1-FFEA-405F-9602-3DCA865EDA4E}" type="datetime1">
               <a:rPr lang="en-US" smtClean="0"/>
-              <a:t>9/25/2021</a:t>
+              <a:t>10/1/2021</a:t>
             </a:fld>
             <a:endParaRPr lang="en-US" dirty="0"/>
           </a:p>
@@ -3002,7 +3006,7 @@
           <a:p>
             <a:fld id="{7E18DB4A-8810-4A10-AD5C-D5E2C667F5B3}" type="datetime1">
               <a:rPr lang="en-US" smtClean="0"/>
-              <a:t>9/25/2021</a:t>
+              <a:t>10/1/2021</a:t>
             </a:fld>
             <a:endParaRPr lang="en-US" dirty="0"/>
           </a:p>
@@ -3217,7 +3221,7 @@
           <a:p>
             <a:fld id="{ED291B17-9318-49DB-B28B-6E5994AE9581}" type="datetime1">
               <a:rPr lang="en-US" smtClean="0"/>
-              <a:t>9/25/2021</a:t>
+              <a:t>10/1/2021</a:t>
             </a:fld>
             <a:endParaRPr lang="en-US" dirty="0"/>
           </a:p>
@@ -4130,6 +4134,221 @@
 </p:sld>
 </file>
 
+<file path=ppt/slides/slide10.xml><?xml version="1.0" encoding="utf-8"?>
+<p:sld xmlns:a="http://schemas.openxmlformats.org/drawingml/2006/main" xmlns:r="http://schemas.openxmlformats.org/officeDocument/2006/relationships" xmlns:p="http://schemas.openxmlformats.org/presentationml/2006/main">
+  <p:cSld>
+    <p:spTree>
+      <p:nvGrpSpPr>
+        <p:cNvPr id="1" name=""/>
+        <p:cNvGrpSpPr/>
+        <p:nvPr/>
+      </p:nvGrpSpPr>
+      <p:grpSpPr>
+        <a:xfrm>
+          <a:off x="0" y="0"/>
+          <a:ext cx="0" cy="0"/>
+          <a:chOff x="0" y="0"/>
+          <a:chExt cx="0" cy="0"/>
+        </a:xfrm>
+      </p:grpSpPr>
+      <p:sp>
+        <p:nvSpPr>
+          <p:cNvPr id="2" name="Título 1">
+            <a:extLst>
+              <a:ext uri="{FF2B5EF4-FFF2-40B4-BE49-F238E27FC236}">
+                <a16:creationId xmlns:a16="http://schemas.microsoft.com/office/drawing/2014/main" id="{C68F8939-20D6-44DF-9C69-371E89E25D4E}"/>
+              </a:ext>
+            </a:extLst>
+          </p:cNvPr>
+          <p:cNvSpPr>
+            <a:spLocks noGrp="1"/>
+          </p:cNvSpPr>
+          <p:nvPr>
+            <p:ph type="title"/>
+          </p:nvPr>
+        </p:nvSpPr>
+        <p:spPr/>
+        <p:txBody>
+          <a:bodyPr/>
+          <a:lstStyle/>
+          <a:p>
+            <a:endParaRPr lang="pt-BR"/>
+          </a:p>
+        </p:txBody>
+      </p:sp>
+      <p:pic>
+        <p:nvPicPr>
+          <p:cNvPr id="5" name="Espaço Reservado para Conteúdo 4">
+            <a:extLst>
+              <a:ext uri="{FF2B5EF4-FFF2-40B4-BE49-F238E27FC236}">
+                <a16:creationId xmlns:a16="http://schemas.microsoft.com/office/drawing/2014/main" id="{D3AD9057-58E1-4FA6-B671-9E8C9DD82C7F}"/>
+              </a:ext>
+            </a:extLst>
+          </p:cNvPr>
+          <p:cNvPicPr>
+            <a:picLocks noGrp="1" noChangeAspect="1"/>
+          </p:cNvPicPr>
+          <p:nvPr>
+            <p:ph idx="1"/>
+          </p:nvPr>
+        </p:nvPicPr>
+        <p:blipFill>
+          <a:blip r:embed="rId2">
+            <a:extLst>
+              <a:ext uri="{28A0092B-C50C-407E-A947-70E740481C1C}">
+                <a14:useLocalDpi xmlns:a14="http://schemas.microsoft.com/office/drawing/2010/main" val="0"/>
+              </a:ext>
+            </a:extLst>
+          </a:blip>
+          <a:stretch>
+            <a:fillRect/>
+          </a:stretch>
+        </p:blipFill>
+        <p:spPr>
+          <a:xfrm>
+            <a:off x="457143" y="702156"/>
+            <a:ext cx="11258057" cy="5051530"/>
+          </a:xfrm>
+        </p:spPr>
+      </p:pic>
+    </p:spTree>
+    <p:extLst>
+      <p:ext uri="{BB962C8B-B14F-4D97-AF65-F5344CB8AC3E}">
+        <p14:creationId xmlns:p14="http://schemas.microsoft.com/office/powerpoint/2010/main" val="1823594577"/>
+      </p:ext>
+    </p:extLst>
+  </p:cSld>
+  <p:clrMapOvr>
+    <a:masterClrMapping/>
+  </p:clrMapOvr>
+</p:sld>
+</file>
+
+<file path=ppt/slides/slide11.xml><?xml version="1.0" encoding="utf-8"?>
+<p:sld xmlns:a="http://schemas.openxmlformats.org/drawingml/2006/main" xmlns:r="http://schemas.openxmlformats.org/officeDocument/2006/relationships" xmlns:p="http://schemas.openxmlformats.org/presentationml/2006/main">
+  <p:cSld>
+    <p:spTree>
+      <p:nvGrpSpPr>
+        <p:cNvPr id="1" name=""/>
+        <p:cNvGrpSpPr/>
+        <p:nvPr/>
+      </p:nvGrpSpPr>
+      <p:grpSpPr>
+        <a:xfrm>
+          <a:off x="0" y="0"/>
+          <a:ext cx="0" cy="0"/>
+          <a:chOff x="0" y="0"/>
+          <a:chExt cx="0" cy="0"/>
+        </a:xfrm>
+      </p:grpSpPr>
+      <p:sp>
+        <p:nvSpPr>
+          <p:cNvPr id="2" name="Retângulo 1">
+            <a:extLst>
+              <a:ext uri="{FF2B5EF4-FFF2-40B4-BE49-F238E27FC236}">
+                <a16:creationId xmlns:a16="http://schemas.microsoft.com/office/drawing/2014/main" id="{9E09F9DB-5503-4AEC-815A-8F761A9E8275}"/>
+              </a:ext>
+            </a:extLst>
+          </p:cNvPr>
+          <p:cNvSpPr/>
+          <p:nvPr/>
+        </p:nvSpPr>
+        <p:spPr>
+          <a:xfrm>
+            <a:off x="473725" y="804231"/>
+            <a:ext cx="11248222" cy="5607586"/>
+          </a:xfrm>
+          <a:prstGeom prst="rect">
+            <a:avLst/>
+          </a:prstGeom>
+          <a:solidFill>
+            <a:schemeClr val="tx2"/>
+          </a:solidFill>
+          <a:ln>
+            <a:solidFill>
+              <a:schemeClr val="tx1"/>
+            </a:solidFill>
+          </a:ln>
+        </p:spPr>
+        <p:style>
+          <a:lnRef idx="2">
+            <a:schemeClr val="accent1">
+              <a:shade val="50000"/>
+            </a:schemeClr>
+          </a:lnRef>
+          <a:fillRef idx="1">
+            <a:schemeClr val="accent1"/>
+          </a:fillRef>
+          <a:effectRef idx="0">
+            <a:schemeClr val="accent1"/>
+          </a:effectRef>
+          <a:fontRef idx="minor">
+            <a:schemeClr val="lt1"/>
+          </a:fontRef>
+        </p:style>
+        <p:txBody>
+          <a:bodyPr rtlCol="0" anchor="ctr"/>
+          <a:lstStyle/>
+          <a:p>
+            <a:pPr algn="ctr"/>
+            <a:endParaRPr lang="pt-BR"/>
+          </a:p>
+        </p:txBody>
+      </p:sp>
+      <p:sp>
+        <p:nvSpPr>
+          <p:cNvPr id="3" name="CaixaDeTexto 2">
+            <a:extLst>
+              <a:ext uri="{FF2B5EF4-FFF2-40B4-BE49-F238E27FC236}">
+                <a16:creationId xmlns:a16="http://schemas.microsoft.com/office/drawing/2014/main" id="{BAB441EE-0F62-45A8-8196-838977E8954A}"/>
+              </a:ext>
+            </a:extLst>
+          </p:cNvPr>
+          <p:cNvSpPr txBox="1"/>
+          <p:nvPr/>
+        </p:nvSpPr>
+        <p:spPr>
+          <a:xfrm>
+            <a:off x="2543060" y="3007859"/>
+            <a:ext cx="7105880" cy="1200329"/>
+          </a:xfrm>
+          <a:prstGeom prst="rect">
+            <a:avLst/>
+          </a:prstGeom>
+          <a:noFill/>
+        </p:spPr>
+        <p:txBody>
+          <a:bodyPr wrap="square" rtlCol="0">
+            <a:spAutoFit/>
+          </a:bodyPr>
+          <a:lstStyle/>
+          <a:p>
+            <a:r>
+              <a:rPr lang="pt-BR" sz="7200" dirty="0">
+                <a:solidFill>
+                  <a:schemeClr val="bg1">
+                    <a:lumMod val="75000"/>
+                  </a:schemeClr>
+                </a:solidFill>
+              </a:rPr>
+              <a:t>BORA JOGAR?</a:t>
+            </a:r>
+          </a:p>
+        </p:txBody>
+      </p:sp>
+    </p:spTree>
+    <p:extLst>
+      <p:ext uri="{BB962C8B-B14F-4D97-AF65-F5344CB8AC3E}">
+        <p14:creationId xmlns:p14="http://schemas.microsoft.com/office/powerpoint/2010/main" val="667439728"/>
+      </p:ext>
+    </p:extLst>
+  </p:cSld>
+  <p:clrMapOvr>
+    <a:masterClrMapping/>
+  </p:clrMapOvr>
+</p:sld>
+</file>
+
 <file path=ppt/slides/slide2.xml><?xml version="1.0" encoding="utf-8"?>
 <p:sld xmlns:a="http://schemas.openxmlformats.org/drawingml/2006/main" xmlns:r="http://schemas.openxmlformats.org/officeDocument/2006/relationships" xmlns:p="http://schemas.openxmlformats.org/presentationml/2006/main">
   <p:cSld>
@@ -6324,7 +6543,7 @@
           <p:cNvPr id="2" name="Título 1">
             <a:extLst>
               <a:ext uri="{FF2B5EF4-FFF2-40B4-BE49-F238E27FC236}">
-                <a16:creationId xmlns:a16="http://schemas.microsoft.com/office/drawing/2014/main" id="{A8D0F263-68E1-4673-8D35-000301D8437E}"/>
+                <a16:creationId xmlns:a16="http://schemas.microsoft.com/office/drawing/2014/main" id="{D3F436CB-0DD4-4B53-BD08-DFD2916B73B3}"/>
               </a:ext>
             </a:extLst>
           </p:cNvPr>
@@ -6340,7 +6559,10 @@
           <a:bodyPr/>
           <a:lstStyle/>
           <a:p>
-            <a:endParaRPr lang="pt-BR"/>
+            <a:r>
+              <a:rPr lang="pt-BR" dirty="0"/>
+              <a:t>Controles </a:t>
+            </a:r>
           </a:p>
         </p:txBody>
       </p:sp>
@@ -6349,7 +6571,7 @@
           <p:cNvPr id="3" name="Espaço Reservado para Conteúdo 2">
             <a:extLst>
               <a:ext uri="{FF2B5EF4-FFF2-40B4-BE49-F238E27FC236}">
-                <a16:creationId xmlns:a16="http://schemas.microsoft.com/office/drawing/2014/main" id="{F1019897-C987-42C0-9D02-B13193E3AF8B}"/>
+                <a16:creationId xmlns:a16="http://schemas.microsoft.com/office/drawing/2014/main" id="{FBA45250-77A8-48CB-9416-02E1F192B0B1}"/>
               </a:ext>
             </a:extLst>
           </p:cNvPr>
@@ -6365,44 +6587,221 @@
           <a:bodyPr/>
           <a:lstStyle/>
           <a:p>
+            <a:r>
+              <a:rPr lang="pt-BR" dirty="0"/>
+              <a:t>W/A/S/D: Movimentação Padrão</a:t>
+            </a:r>
+          </a:p>
+          <a:p>
+            <a:r>
+              <a:rPr lang="pt-BR" dirty="0"/>
+              <a:t>ESPAÇO: pular</a:t>
+            </a:r>
+          </a:p>
+          <a:p>
+            <a:r>
+              <a:rPr lang="pt-BR" dirty="0"/>
+              <a:t>MOUSE 1: Atirar</a:t>
+            </a:r>
+          </a:p>
+          <a:p>
+            <a:r>
+              <a:rPr lang="pt-BR" dirty="0"/>
+              <a:t>R: Recarregar</a:t>
+            </a:r>
+          </a:p>
+          <a:p>
+            <a:r>
+              <a:rPr lang="pt-BR" dirty="0"/>
+              <a:t>E: Botão de interação </a:t>
+            </a:r>
+          </a:p>
+        </p:txBody>
+      </p:sp>
+    </p:spTree>
+    <p:extLst>
+      <p:ext uri="{BB962C8B-B14F-4D97-AF65-F5344CB8AC3E}">
+        <p14:creationId xmlns:p14="http://schemas.microsoft.com/office/powerpoint/2010/main" val="2502664482"/>
+      </p:ext>
+    </p:extLst>
+  </p:cSld>
+  <p:clrMapOvr>
+    <a:masterClrMapping/>
+  </p:clrMapOvr>
+</p:sld>
+</file>
+
+<file path=ppt/slides/slide8.xml><?xml version="1.0" encoding="utf-8"?>
+<p:sld xmlns:a="http://schemas.openxmlformats.org/drawingml/2006/main" xmlns:r="http://schemas.openxmlformats.org/officeDocument/2006/relationships" xmlns:p="http://schemas.openxmlformats.org/presentationml/2006/main">
+  <p:cSld>
+    <p:spTree>
+      <p:nvGrpSpPr>
+        <p:cNvPr id="1" name=""/>
+        <p:cNvGrpSpPr/>
+        <p:nvPr/>
+      </p:nvGrpSpPr>
+      <p:grpSpPr>
+        <a:xfrm>
+          <a:off x="0" y="0"/>
+          <a:ext cx="0" cy="0"/>
+          <a:chOff x="0" y="0"/>
+          <a:chExt cx="0" cy="0"/>
+        </a:xfrm>
+      </p:grpSpPr>
+      <p:sp>
+        <p:nvSpPr>
+          <p:cNvPr id="2" name="Título 1">
+            <a:extLst>
+              <a:ext uri="{FF2B5EF4-FFF2-40B4-BE49-F238E27FC236}">
+                <a16:creationId xmlns:a16="http://schemas.microsoft.com/office/drawing/2014/main" id="{A8D0F263-68E1-4673-8D35-000301D8437E}"/>
+              </a:ext>
+            </a:extLst>
+          </p:cNvPr>
+          <p:cNvSpPr>
+            <a:spLocks noGrp="1"/>
+          </p:cNvSpPr>
+          <p:nvPr>
+            <p:ph type="title"/>
+          </p:nvPr>
+        </p:nvSpPr>
+        <p:spPr/>
+        <p:txBody>
+          <a:bodyPr/>
+          <a:lstStyle/>
+          <a:p>
             <a:endParaRPr lang="pt-BR"/>
           </a:p>
         </p:txBody>
       </p:sp>
       <p:pic>
         <p:nvPicPr>
-          <p:cNvPr id="5" name="Imagem 4">
+          <p:cNvPr id="6" name="Espaço Reservado para Conteúdo 5">
             <a:extLst>
               <a:ext uri="{FF2B5EF4-FFF2-40B4-BE49-F238E27FC236}">
-                <a16:creationId xmlns:a16="http://schemas.microsoft.com/office/drawing/2014/main" id="{77723C59-58CE-47A9-B0F8-A3B456181B29}"/>
+                <a16:creationId xmlns:a16="http://schemas.microsoft.com/office/drawing/2014/main" id="{4BC79996-0C05-4CD5-AAF6-8C9504644C1E}"/>
               </a:ext>
             </a:extLst>
           </p:cNvPr>
           <p:cNvPicPr>
-            <a:picLocks noChangeAspect="1"/>
+            <a:picLocks noGrp="1" noChangeAspect="1"/>
           </p:cNvPicPr>
-          <p:nvPr/>
+          <p:nvPr>
+            <p:ph idx="1"/>
+          </p:nvPr>
         </p:nvPicPr>
         <p:blipFill>
-          <a:blip r:embed="rId2"/>
+          <a:blip r:embed="rId2">
+            <a:extLst>
+              <a:ext uri="{28A0092B-C50C-407E-A947-70E740481C1C}">
+                <a14:useLocalDpi xmlns:a14="http://schemas.microsoft.com/office/drawing/2010/main" val="0"/>
+              </a:ext>
+            </a:extLst>
+          </a:blip>
           <a:stretch>
             <a:fillRect/>
           </a:stretch>
         </p:blipFill>
         <p:spPr>
           <a:xfrm>
-            <a:off x="466565" y="882650"/>
-            <a:ext cx="11258868" cy="5094795"/>
-          </a:xfrm>
-          <a:prstGeom prst="rect">
-            <a:avLst/>
-          </a:prstGeom>
+            <a:off x="462064" y="702156"/>
+            <a:ext cx="11312385" cy="5164072"/>
+          </a:xfrm>
         </p:spPr>
       </p:pic>
     </p:spTree>
     <p:extLst>
       <p:ext uri="{BB962C8B-B14F-4D97-AF65-F5344CB8AC3E}">
         <p14:creationId xmlns:p14="http://schemas.microsoft.com/office/powerpoint/2010/main" val="3075127480"/>
+      </p:ext>
+    </p:extLst>
+  </p:cSld>
+  <p:clrMapOvr>
+    <a:masterClrMapping/>
+  </p:clrMapOvr>
+</p:sld>
+</file>
+
+<file path=ppt/slides/slide9.xml><?xml version="1.0" encoding="utf-8"?>
+<p:sld xmlns:a="http://schemas.openxmlformats.org/drawingml/2006/main" xmlns:r="http://schemas.openxmlformats.org/officeDocument/2006/relationships" xmlns:p="http://schemas.openxmlformats.org/presentationml/2006/main">
+  <p:cSld>
+    <p:spTree>
+      <p:nvGrpSpPr>
+        <p:cNvPr id="1" name=""/>
+        <p:cNvGrpSpPr/>
+        <p:nvPr/>
+      </p:nvGrpSpPr>
+      <p:grpSpPr>
+        <a:xfrm>
+          <a:off x="0" y="0"/>
+          <a:ext cx="0" cy="0"/>
+          <a:chOff x="0" y="0"/>
+          <a:chExt cx="0" cy="0"/>
+        </a:xfrm>
+      </p:grpSpPr>
+      <p:sp>
+        <p:nvSpPr>
+          <p:cNvPr id="2" name="Título 1">
+            <a:extLst>
+              <a:ext uri="{FF2B5EF4-FFF2-40B4-BE49-F238E27FC236}">
+                <a16:creationId xmlns:a16="http://schemas.microsoft.com/office/drawing/2014/main" id="{72C238EE-5156-4C55-AB19-ED58E8C1721C}"/>
+              </a:ext>
+            </a:extLst>
+          </p:cNvPr>
+          <p:cNvSpPr>
+            <a:spLocks noGrp="1"/>
+          </p:cNvSpPr>
+          <p:nvPr>
+            <p:ph type="title"/>
+          </p:nvPr>
+        </p:nvSpPr>
+        <p:spPr/>
+        <p:txBody>
+          <a:bodyPr/>
+          <a:lstStyle/>
+          <a:p>
+            <a:endParaRPr lang="pt-BR"/>
+          </a:p>
+        </p:txBody>
+      </p:sp>
+      <p:pic>
+        <p:nvPicPr>
+          <p:cNvPr id="5" name="Espaço Reservado para Conteúdo 4">
+            <a:extLst>
+              <a:ext uri="{FF2B5EF4-FFF2-40B4-BE49-F238E27FC236}">
+                <a16:creationId xmlns:a16="http://schemas.microsoft.com/office/drawing/2014/main" id="{DE545FB7-7A62-4B97-A047-4ABEE519817B}"/>
+              </a:ext>
+            </a:extLst>
+          </p:cNvPr>
+          <p:cNvPicPr>
+            <a:picLocks noGrp="1" noChangeAspect="1"/>
+          </p:cNvPicPr>
+          <p:nvPr>
+            <p:ph idx="1"/>
+          </p:nvPr>
+        </p:nvPicPr>
+        <p:blipFill>
+          <a:blip r:embed="rId2">
+            <a:extLst>
+              <a:ext uri="{28A0092B-C50C-407E-A947-70E740481C1C}">
+                <a14:useLocalDpi xmlns:a14="http://schemas.microsoft.com/office/drawing/2010/main" val="0"/>
+              </a:ext>
+            </a:extLst>
+          </a:blip>
+          <a:stretch>
+            <a:fillRect/>
+          </a:stretch>
+        </p:blipFill>
+        <p:spPr>
+          <a:xfrm>
+            <a:off x="444284" y="702156"/>
+            <a:ext cx="11314597" cy="5150004"/>
+          </a:xfrm>
+        </p:spPr>
+      </p:pic>
+    </p:spTree>
+    <p:extLst>
+      <p:ext uri="{BB962C8B-B14F-4D97-AF65-F5344CB8AC3E}">
+        <p14:creationId xmlns:p14="http://schemas.microsoft.com/office/powerpoint/2010/main" val="53157661"/>
       </p:ext>
     </p:extLst>
   </p:cSld>
